--- a/Basis Data Terdistribusi/Pemrosesan dan Optimasi Query.pptx
+++ b/Basis Data Terdistribusi/Pemrosesan dan Optimasi Query.pptx
@@ -5,10 +5,10 @@
     <p:sldMasterId id="2147483648" r:id="rId1"/>
   </p:sldMasterIdLst>
   <p:notesMasterIdLst>
-    <p:notesMasterId r:id="rId12"/>
+    <p:notesMasterId r:id="rId13"/>
   </p:notesMasterIdLst>
   <p:handoutMasterIdLst>
-    <p:handoutMasterId r:id="rId13"/>
+    <p:handoutMasterId r:id="rId14"/>
   </p:handoutMasterIdLst>
   <p:sldIdLst>
     <p:sldId id="256" r:id="rId3"/>
@@ -20,6 +20,7 @@
     <p:sldId id="261" r:id="rId9"/>
     <p:sldId id="264" r:id="rId10"/>
     <p:sldId id="265" r:id="rId11"/>
+    <p:sldId id="267" r:id="rId12"/>
   </p:sldIdLst>
   <p:sldSz cx="12192000" cy="6858000"/>
   <p:notesSz cx="7103745" cy="10234295"/>
@@ -4095,6 +4096,79 @@
               <a:t>Pemrosesan dan Optimasi Query</a:t>
             </a:r>
             <a:endParaRPr lang="en-US" altLang="zh-CN"/>
+          </a:p>
+        </p:txBody>
+      </p:sp>
+    </p:spTree>
+  </p:cSld>
+  <p:clrMapOvr>
+    <a:masterClrMapping/>
+  </p:clrMapOvr>
+  <mc:AlternateContent xmlns:mc="http://schemas.openxmlformats.org/markup-compatibility/2006">
+    <mc:Choice xmlns:p14="http://schemas.microsoft.com/office/powerpoint/2010/main" Requires="p14">
+      <p:transition spd="med" p14:dur="699"/>
+    </mc:Choice>
+    <mc:Fallback>
+      <p:transition spd="med"/>
+    </mc:Fallback>
+  </mc:AlternateContent>
+</p:sld>
+</file>
+
+<file path=ppt/slides/slide10.xml><?xml version="1.0" encoding="utf-8"?>
+<p:sld xmlns:a="http://schemas.openxmlformats.org/drawingml/2006/main" xmlns:r="http://schemas.openxmlformats.org/officeDocument/2006/relationships" xmlns:p="http://schemas.openxmlformats.org/presentationml/2006/main">
+  <p:cSld>
+    <p:spTree>
+      <p:nvGrpSpPr>
+        <p:cNvPr id="1" name=""/>
+        <p:cNvGrpSpPr/>
+        <p:nvPr/>
+      </p:nvGrpSpPr>
+      <p:grpSpPr/>
+      <p:sp>
+        <p:nvSpPr>
+          <p:cNvPr id="2" name="Title 1"/>
+          <p:cNvSpPr>
+            <a:spLocks noGrp="1"/>
+          </p:cNvSpPr>
+          <p:nvPr>
+            <p:ph type="title"/>
+          </p:nvPr>
+        </p:nvSpPr>
+        <p:spPr/>
+        <p:txBody>
+          <a:bodyPr/>
+          <a:p>
+            <a:r>
+              <a:rPr lang="en-US"/>
+              <a:t>Sumber</a:t>
+            </a:r>
+            <a:endParaRPr lang="en-US"/>
+          </a:p>
+        </p:txBody>
+      </p:sp>
+      <p:sp>
+        <p:nvSpPr>
+          <p:cNvPr id="3" name="Content Placeholder 2"/>
+          <p:cNvSpPr>
+            <a:spLocks noGrp="1"/>
+          </p:cNvSpPr>
+          <p:nvPr>
+            <p:ph idx="1"/>
+          </p:nvPr>
+        </p:nvSpPr>
+        <p:spPr/>
+        <p:txBody>
+          <a:bodyPr/>
+          <a:p>
+            <a:pPr marL="0" indent="0">
+              <a:buNone/>
+            </a:pPr>
+            <a:r>
+              <a:rPr lang="en-US"/>
+              <a:t>https://erigeoms.wixsite.com/website/post/pemrosesan-query-dalam-basis-data</a:t>
+            </a:r>
+            <a:endParaRPr lang="en-US"/>
           </a:p>
         </p:txBody>
       </p:sp>
